--- a/Project1/eMoviesProject1.pptx
+++ b/Project1/eMoviesProject1.pptx
@@ -13,6 +13,7 @@
     <p:sldId id="261" r:id="rId10"/>
     <p:sldId id="262" r:id="rId11"/>
     <p:sldId id="263" r:id="rId12"/>
+    <p:sldId id="264" r:id="rId13"/>
   </p:sldIdLst>
   <p:sldSz cx="12192000" cy="6858000"/>
   <p:notesSz cx="6858000" cy="9144000"/>
@@ -3371,21 +3372,21 @@
           <a:lstStyle/>
           <a:p>
             <a:r>
-              <a:rPr lang="en-US" sz="2000">
+              <a:rPr lang="en-US" sz="2000" dirty="0">
                 <a:latin typeface="Calibri"/>
                 <a:cs typeface="Calibri Light"/>
               </a:rPr>
               <a:t>We take the assessment we made of our new </a:t>
             </a:r>
             <a:r>
-              <a:rPr lang="en-US" sz="2000" err="1">
+              <a:rPr lang="en-US" sz="2000" dirty="0" err="1">
                 <a:latin typeface="Calibri"/>
                 <a:cs typeface="Calibri Light"/>
               </a:rPr>
               <a:t>eMovie</a:t>
             </a:r>
             <a:r>
-              <a:rPr lang="en-US" sz="2000">
+              <a:rPr lang="en-US" sz="2000" dirty="0">
                 <a:latin typeface="Calibri"/>
                 <a:cs typeface="Calibri Light"/>
               </a:rPr>
@@ -9144,6 +9145,86 @@
 </p:sld>
 </file>
 
+<file path=ppt/slides/slide9.xml><?xml version="1.0" encoding="utf-8"?>
+<p:sld xmlns:a="http://schemas.openxmlformats.org/drawingml/2006/main" xmlns:r="http://schemas.openxmlformats.org/officeDocument/2006/relationships" xmlns:p="http://schemas.openxmlformats.org/presentationml/2006/main">
+  <p:cSld>
+    <p:spTree>
+      <p:nvGrpSpPr>
+        <p:cNvPr id="1" name=""/>
+        <p:cNvGrpSpPr/>
+        <p:nvPr/>
+      </p:nvGrpSpPr>
+      <p:grpSpPr>
+        <a:xfrm>
+          <a:off x="0" y="0"/>
+          <a:ext cx="0" cy="0"/>
+          <a:chOff x="0" y="0"/>
+          <a:chExt cx="0" cy="0"/>
+        </a:xfrm>
+      </p:grpSpPr>
+      <p:sp>
+        <p:nvSpPr>
+          <p:cNvPr id="2" name="Title 1">
+            <a:extLst>
+              <a:ext uri="{FF2B5EF4-FFF2-40B4-BE49-F238E27FC236}">
+                <a16:creationId xmlns:a16="http://schemas.microsoft.com/office/drawing/2014/main" id="{0F98FEB5-7EC2-0B57-F693-EB7ECD8A504A}"/>
+              </a:ext>
+            </a:extLst>
+          </p:cNvPr>
+          <p:cNvSpPr>
+            <a:spLocks noGrp="1"/>
+          </p:cNvSpPr>
+          <p:nvPr>
+            <p:ph type="title"/>
+          </p:nvPr>
+        </p:nvSpPr>
+        <p:spPr/>
+        <p:txBody>
+          <a:bodyPr/>
+          <a:lstStyle/>
+          <a:p>
+            <a:endParaRPr lang="en-US"/>
+          </a:p>
+        </p:txBody>
+      </p:sp>
+      <p:sp>
+        <p:nvSpPr>
+          <p:cNvPr id="3" name="Content Placeholder 2">
+            <a:extLst>
+              <a:ext uri="{FF2B5EF4-FFF2-40B4-BE49-F238E27FC236}">
+                <a16:creationId xmlns:a16="http://schemas.microsoft.com/office/drawing/2014/main" id="{61DF06D9-884B-352F-8372-3F21BB5C3753}"/>
+              </a:ext>
+            </a:extLst>
+          </p:cNvPr>
+          <p:cNvSpPr>
+            <a:spLocks noGrp="1"/>
+          </p:cNvSpPr>
+          <p:nvPr>
+            <p:ph idx="1"/>
+          </p:nvPr>
+        </p:nvSpPr>
+        <p:spPr/>
+        <p:txBody>
+          <a:bodyPr/>
+          <a:lstStyle/>
+          <a:p>
+            <a:endParaRPr lang="en-US"/>
+          </a:p>
+        </p:txBody>
+      </p:sp>
+    </p:spTree>
+    <p:extLst>
+      <p:ext uri="{BB962C8B-B14F-4D97-AF65-F5344CB8AC3E}">
+        <p14:creationId xmlns:p14="http://schemas.microsoft.com/office/powerpoint/2010/main" val="3783474977"/>
+      </p:ext>
+    </p:extLst>
+  </p:cSld>
+  <p:clrMapOvr>
+    <a:masterClrMapping/>
+  </p:clrMapOvr>
+</p:sld>
+</file>
+
 <file path=ppt/theme/theme1.xml><?xml version="1.0" encoding="utf-8"?>
 <a:theme xmlns:a="http://schemas.openxmlformats.org/drawingml/2006/main" name="Office Theme">
   <a:themeElements>
@@ -9440,12 +9521,6 @@
 </file>
 
 <file path=customXml/item1.xml><?xml version="1.0" encoding="utf-8"?>
-<p:properties xmlns:p="http://schemas.microsoft.com/office/2006/metadata/properties" xmlns:xsi="http://www.w3.org/2001/XMLSchema-instance" xmlns:pc="http://schemas.microsoft.com/office/infopath/2007/PartnerControls">
-  <documentManagement/>
-</p:properties>
-</file>
-
-<file path=customXml/item2.xml><?xml version="1.0" encoding="utf-8"?>
 <ct:contentTypeSchema xmlns:ct="http://schemas.microsoft.com/office/2006/metadata/contentType" xmlns:ma="http://schemas.microsoft.com/office/2006/metadata/properties/metaAttributes" ct:_="" ma:_="" ma:contentTypeName="Document" ma:contentTypeID="0x0101002464957B09029048BE9A1AB7E5A0E1DA" ma:contentTypeVersion="7" ma:contentTypeDescription="Create a new document." ma:contentTypeScope="" ma:versionID="0e67c242e97229c732801e483c4c0d9e">
   <xsd:schema xmlns:xsd="http://www.w3.org/2001/XMLSchema" xmlns:xs="http://www.w3.org/2001/XMLSchema" xmlns:p="http://schemas.microsoft.com/office/2006/metadata/properties" xmlns:ns3="66d4019a-de8e-4b93-b707-0d4b759b025d" xmlns:ns4="8bc36d55-df34-46a3-a3c8-477dac3513a2" targetNamespace="http://schemas.microsoft.com/office/2006/metadata/properties" ma:root="true" ma:fieldsID="6362d2db8efbec292f876cd30885fdec" ns3:_="" ns4:_="">
     <xsd:import namespace="66d4019a-de8e-4b93-b707-0d4b759b025d"/>
@@ -9630,6 +9705,12 @@
 </ct:contentTypeSchema>
 </file>
 
+<file path=customXml/item2.xml><?xml version="1.0" encoding="utf-8"?>
+<p:properties xmlns:p="http://schemas.microsoft.com/office/2006/metadata/properties" xmlns:xsi="http://www.w3.org/2001/XMLSchema-instance" xmlns:pc="http://schemas.microsoft.com/office/infopath/2007/PartnerControls">
+  <documentManagement/>
+</p:properties>
+</file>
+
 <file path=customXml/item3.xml><?xml version="1.0" encoding="utf-8"?>
 <?mso-contentType ?>
 <FormTemplates xmlns="http://schemas.microsoft.com/sharepoint/v3/contenttype/forms">
@@ -9640,23 +9721,6 @@
 </file>
 
 <file path=customXml/itemProps1.xml><?xml version="1.0" encoding="utf-8"?>
-<ds:datastoreItem xmlns:ds="http://schemas.openxmlformats.org/officeDocument/2006/customXml" ds:itemID="{1006DA29-D582-4833-83F0-89DA8D23A3C4}">
-  <ds:schemaRefs>
-    <ds:schemaRef ds:uri="http://purl.org/dc/terms/"/>
-    <ds:schemaRef ds:uri="http://schemas.microsoft.com/office/2006/metadata/properties"/>
-    <ds:schemaRef ds:uri="http://purl.org/dc/dcmitype/"/>
-    <ds:schemaRef ds:uri="http://www.w3.org/XML/1998/namespace"/>
-    <ds:schemaRef ds:uri="http://schemas.microsoft.com/office/2006/documentManagement/types"/>
-    <ds:schemaRef ds:uri="http://schemas.microsoft.com/office/infopath/2007/PartnerControls"/>
-    <ds:schemaRef ds:uri="8bc36d55-df34-46a3-a3c8-477dac3513a2"/>
-    <ds:schemaRef ds:uri="http://schemas.openxmlformats.org/package/2006/metadata/core-properties"/>
-    <ds:schemaRef ds:uri="66d4019a-de8e-4b93-b707-0d4b759b025d"/>
-    <ds:schemaRef ds:uri="http://purl.org/dc/elements/1.1/"/>
-  </ds:schemaRefs>
-</ds:datastoreItem>
-</file>
-
-<file path=customXml/itemProps2.xml><?xml version="1.0" encoding="utf-8"?>
 <ds:datastoreItem xmlns:ds="http://schemas.openxmlformats.org/officeDocument/2006/customXml" ds:itemID="{0DA5BC5F-E799-4268-A8BA-429056833CE5}">
   <ds:schemaRefs>
     <ds:schemaRef ds:uri="66d4019a-de8e-4b93-b707-0d4b759b025d"/>
@@ -9675,6 +9739,23 @@
 </ds:datastoreItem>
 </file>
 
+<file path=customXml/itemProps2.xml><?xml version="1.0" encoding="utf-8"?>
+<ds:datastoreItem xmlns:ds="http://schemas.openxmlformats.org/officeDocument/2006/customXml" ds:itemID="{1006DA29-D582-4833-83F0-89DA8D23A3C4}">
+  <ds:schemaRefs>
+    <ds:schemaRef ds:uri="http://purl.org/dc/terms/"/>
+    <ds:schemaRef ds:uri="http://schemas.microsoft.com/office/2006/metadata/properties"/>
+    <ds:schemaRef ds:uri="http://purl.org/dc/dcmitype/"/>
+    <ds:schemaRef ds:uri="http://www.w3.org/XML/1998/namespace"/>
+    <ds:schemaRef ds:uri="http://schemas.microsoft.com/office/2006/documentManagement/types"/>
+    <ds:schemaRef ds:uri="http://schemas.microsoft.com/office/infopath/2007/PartnerControls"/>
+    <ds:schemaRef ds:uri="8bc36d55-df34-46a3-a3c8-477dac3513a2"/>
+    <ds:schemaRef ds:uri="http://schemas.openxmlformats.org/package/2006/metadata/core-properties"/>
+    <ds:schemaRef ds:uri="66d4019a-de8e-4b93-b707-0d4b759b025d"/>
+    <ds:schemaRef ds:uri="http://purl.org/dc/elements/1.1/"/>
+  </ds:schemaRefs>
+</ds:datastoreItem>
+</file>
+
 <file path=customXml/itemProps3.xml><?xml version="1.0" encoding="utf-8"?>
 <ds:datastoreItem xmlns:ds="http://schemas.openxmlformats.org/officeDocument/2006/customXml" ds:itemID="{DFA0FB93-4126-463E-821D-8E2DADB1C63A}">
   <ds:schemaRefs>
